--- a/Documents/Meeting Updates/MarchingMasters-1027.pptx
+++ b/Documents/Meeting Updates/MarchingMasters-1027.pptx
@@ -163,34 +163,6 @@
 </p:cmAuthorLst>
 </file>
 
-<file path=ppt/comments/comment1.xml><?xml version="1.0" encoding="utf-8"?>
-<p:cmLst xmlns:a="http://schemas.openxmlformats.org/drawingml/2006/main" xmlns:r="http://schemas.openxmlformats.org/officeDocument/2006/relationships" xmlns:p="http://schemas.openxmlformats.org/presentationml/2006/main">
-  <p:cm authorId="1" dt="2020-10-11T13:44:30.585" idx="2">
-    <p:pos x="10" y="10"/>
-    <p:text>Update Based off Sunday Night Meeting</p:text>
-    <p:extLst>
-      <p:ext uri="{C676402C-5697-4E1C-873F-D02D1690AC5C}">
-        <p15:threadingInfo xmlns:p15="http://schemas.microsoft.com/office/powerpoint/2012/main" timeZoneBias="240"/>
-      </p:ext>
-    </p:extLst>
-  </p:cm>
-</p:cmLst>
-</file>
-
-<file path=ppt/comments/comment2.xml><?xml version="1.0" encoding="utf-8"?>
-<p:cmLst xmlns:a="http://schemas.openxmlformats.org/drawingml/2006/main" xmlns:r="http://schemas.openxmlformats.org/officeDocument/2006/relationships" xmlns:p="http://schemas.openxmlformats.org/presentationml/2006/main">
-  <p:cm authorId="1" dt="2020-10-11T13:44:48.067" idx="3">
-    <p:pos x="10" y="10"/>
-    <p:text>Update after Sunday Night Meeting</p:text>
-    <p:extLst>
-      <p:ext uri="{C676402C-5697-4E1C-873F-D02D1690AC5C}">
-        <p15:threadingInfo xmlns:p15="http://schemas.microsoft.com/office/powerpoint/2012/main" timeZoneBias="240"/>
-      </p:ext>
-    </p:extLst>
-  </p:cm>
-</p:cmLst>
-</file>
-
 <file path=ppt/slideLayouts/slideLayout1.xml><?xml version="1.0" encoding="utf-8"?>
 <p:sldLayout xmlns:a="http://schemas.openxmlformats.org/drawingml/2006/main" xmlns:r="http://schemas.openxmlformats.org/officeDocument/2006/relationships" xmlns:p="http://schemas.openxmlformats.org/presentationml/2006/main" type="title" preserve="1">
   <p:cSld name="Title Slide">
@@ -338,7 +310,7 @@
           <a:p>
             <a:fld id="{76A6DF96-24C9-6049-963C-8A018557765F}" type="datetimeFigureOut">
               <a:rPr lang="en-US" smtClean="0"/>
-              <a:t>10/25/2020</a:t>
+              <a:t>10/25/20</a:t>
             </a:fld>
             <a:endParaRPr lang="en-US"/>
           </a:p>
@@ -536,7 +508,7 @@
           <a:p>
             <a:fld id="{76A6DF96-24C9-6049-963C-8A018557765F}" type="datetimeFigureOut">
               <a:rPr lang="en-US" smtClean="0"/>
-              <a:t>10/25/2020</a:t>
+              <a:t>10/25/20</a:t>
             </a:fld>
             <a:endParaRPr lang="en-US"/>
           </a:p>
@@ -744,7 +716,7 @@
           <a:p>
             <a:fld id="{76A6DF96-24C9-6049-963C-8A018557765F}" type="datetimeFigureOut">
               <a:rPr lang="en-US" smtClean="0"/>
-              <a:t>10/25/2020</a:t>
+              <a:t>10/25/20</a:t>
             </a:fld>
             <a:endParaRPr lang="en-US"/>
           </a:p>
@@ -942,7 +914,7 @@
           <a:p>
             <a:fld id="{76A6DF96-24C9-6049-963C-8A018557765F}" type="datetimeFigureOut">
               <a:rPr lang="en-US" smtClean="0"/>
-              <a:t>10/25/2020</a:t>
+              <a:t>10/25/20</a:t>
             </a:fld>
             <a:endParaRPr lang="en-US"/>
           </a:p>
@@ -1217,7 +1189,7 @@
           <a:p>
             <a:fld id="{76A6DF96-24C9-6049-963C-8A018557765F}" type="datetimeFigureOut">
               <a:rPr lang="en-US" smtClean="0"/>
-              <a:t>10/25/2020</a:t>
+              <a:t>10/25/20</a:t>
             </a:fld>
             <a:endParaRPr lang="en-US"/>
           </a:p>
@@ -1482,7 +1454,7 @@
           <a:p>
             <a:fld id="{76A6DF96-24C9-6049-963C-8A018557765F}" type="datetimeFigureOut">
               <a:rPr lang="en-US" smtClean="0"/>
-              <a:t>10/25/2020</a:t>
+              <a:t>10/25/20</a:t>
             </a:fld>
             <a:endParaRPr lang="en-US"/>
           </a:p>
@@ -1894,7 +1866,7 @@
           <a:p>
             <a:fld id="{76A6DF96-24C9-6049-963C-8A018557765F}" type="datetimeFigureOut">
               <a:rPr lang="en-US" smtClean="0"/>
-              <a:t>10/25/2020</a:t>
+              <a:t>10/25/20</a:t>
             </a:fld>
             <a:endParaRPr lang="en-US"/>
           </a:p>
@@ -2035,7 +2007,7 @@
           <a:p>
             <a:fld id="{76A6DF96-24C9-6049-963C-8A018557765F}" type="datetimeFigureOut">
               <a:rPr lang="en-US" smtClean="0"/>
-              <a:t>10/25/2020</a:t>
+              <a:t>10/25/20</a:t>
             </a:fld>
             <a:endParaRPr lang="en-US"/>
           </a:p>
@@ -2148,7 +2120,7 @@
           <a:p>
             <a:fld id="{76A6DF96-24C9-6049-963C-8A018557765F}" type="datetimeFigureOut">
               <a:rPr lang="en-US" smtClean="0"/>
-              <a:t>10/25/2020</a:t>
+              <a:t>10/25/20</a:t>
             </a:fld>
             <a:endParaRPr lang="en-US"/>
           </a:p>
@@ -2459,7 +2431,7 @@
           <a:p>
             <a:fld id="{76A6DF96-24C9-6049-963C-8A018557765F}" type="datetimeFigureOut">
               <a:rPr lang="en-US" smtClean="0"/>
-              <a:t>10/25/2020</a:t>
+              <a:t>10/25/20</a:t>
             </a:fld>
             <a:endParaRPr lang="en-US"/>
           </a:p>
@@ -2747,7 +2719,7 @@
           <a:p>
             <a:fld id="{76A6DF96-24C9-6049-963C-8A018557765F}" type="datetimeFigureOut">
               <a:rPr lang="en-US" smtClean="0"/>
-              <a:t>10/25/2020</a:t>
+              <a:t>10/25/20</a:t>
             </a:fld>
             <a:endParaRPr lang="en-US"/>
           </a:p>
@@ -2988,7 +2960,7 @@
           <a:p>
             <a:fld id="{76A6DF96-24C9-6049-963C-8A018557765F}" type="datetimeFigureOut">
               <a:rPr lang="en-US" smtClean="0"/>
-              <a:t>10/25/2020</a:t>
+              <a:t>10/25/20</a:t>
             </a:fld>
             <a:endParaRPr lang="en-US"/>
           </a:p>
@@ -3876,7 +3848,19 @@
               <a:rPr lang="en-US" dirty="0" err="1">
                 <a:sym typeface="Wingdings" pitchFamily="2" charset="2"/>
               </a:rPr>
-              <a:t>Brandin,Jeffer</a:t>
+              <a:t>Jeffer</a:t>
+            </a:r>
+            <a:r>
+              <a:rPr lang="en-US" dirty="0">
+                <a:sym typeface="Wingdings" pitchFamily="2" charset="2"/>
+              </a:rPr>
+              <a:t>, Brandin, </a:t>
+            </a:r>
+            <a:r>
+              <a:rPr lang="en-US" dirty="0" err="1">
+                <a:sym typeface="Wingdings" pitchFamily="2" charset="2"/>
+              </a:rPr>
+              <a:t>Tumaris</a:t>
             </a:r>
             <a:r>
               <a:rPr lang="en-US" dirty="0">
@@ -3895,15 +3879,7 @@
           <a:p>
             <a:r>
               <a:rPr lang="en-US" dirty="0"/>
-              <a:t>Proof of Concept (</a:t>
-            </a:r>
-            <a:r>
-              <a:rPr lang="en-US" dirty="0" err="1"/>
-              <a:t>Siddharth,Adam</a:t>
-            </a:r>
-            <a:r>
-              <a:rPr lang="en-US" dirty="0"/>
-              <a:t>)</a:t>
+              <a:t>Proof of Concept (Siddharth, Adam)</a:t>
             </a:r>
           </a:p>
           <a:p>
@@ -4362,20 +4338,13 @@
             <a:pPr lvl="1"/>
             <a:r>
               <a:rPr lang="en-US" sz="2000" dirty="0"/>
-              <a:t>Continue development of project schedule (baselined) to be used for accomplishing project tasks.</a:t>
-            </a:r>
-          </a:p>
-          <a:p>
-            <a:pPr lvl="1"/>
-            <a:r>
-              <a:rPr lang="en-US" sz="2000" dirty="0"/>
-              <a:t>Goal: Revise project schedule</a:t>
+              <a:t>Goal: Complete project schedule (baselined)</a:t>
             </a:r>
           </a:p>
           <a:p>
             <a:r>
               <a:rPr lang="en-US" dirty="0"/>
-              <a:t>Requirements Document</a:t>
+              <a:t>Requirements Specification Document</a:t>
             </a:r>
             <a:r>
               <a:rPr lang="en-US" dirty="0">
@@ -4393,19 +4362,7 @@
               <a:rPr lang="en-US" dirty="0">
                 <a:sym typeface="Wingdings" pitchFamily="2" charset="2"/>
               </a:rPr>
-              <a:t>/</a:t>
-            </a:r>
-            <a:r>
-              <a:rPr lang="en-US" dirty="0" err="1">
-                <a:sym typeface="Wingdings" pitchFamily="2" charset="2"/>
-              </a:rPr>
-              <a:t>Brandin</a:t>
-            </a:r>
-            <a:r>
-              <a:rPr lang="en-US" dirty="0">
-                <a:sym typeface="Wingdings" pitchFamily="2" charset="2"/>
-              </a:rPr>
-              <a:t>/</a:t>
+              <a:t>/Brandin/</a:t>
             </a:r>
             <a:r>
               <a:rPr lang="en-US" dirty="0" err="1">
@@ -4430,7 +4387,7 @@
           <a:p>
             <a:r>
               <a:rPr lang="en-US" dirty="0"/>
-              <a:t>Proof of Concept (Adam/Sid)</a:t>
+              <a:t>Proof of Concept (Adam/Sidharth)</a:t>
             </a:r>
           </a:p>
           <a:p>
